--- a/88 - Lord, Dismiss Us With Thy Blessing.pptx
+++ b/88 - Lord, Dismiss Us With Thy Blessing.pptx
@@ -242,7 +242,7 @@
           <a:p>
             <a:fld id="{32F7251A-AE54-443C-B8FE-5F636E835EBF}" type="datetimeFigureOut">
               <a:rPr lang="en-US" smtClean="0"/>
-              <a:t>7/15/2018</a:t>
+              <a:t>8/2/2020</a:t>
             </a:fld>
             <a:endParaRPr lang="en-US"/>
           </a:p>
@@ -410,7 +410,7 @@
           <a:p>
             <a:fld id="{32F7251A-AE54-443C-B8FE-5F636E835EBF}" type="datetimeFigureOut">
               <a:rPr lang="en-US" smtClean="0"/>
-              <a:t>7/15/2018</a:t>
+              <a:t>8/2/2020</a:t>
             </a:fld>
             <a:endParaRPr lang="en-US"/>
           </a:p>
@@ -588,7 +588,7 @@
           <a:p>
             <a:fld id="{32F7251A-AE54-443C-B8FE-5F636E835EBF}" type="datetimeFigureOut">
               <a:rPr lang="en-US" smtClean="0"/>
-              <a:t>7/15/2018</a:t>
+              <a:t>8/2/2020</a:t>
             </a:fld>
             <a:endParaRPr lang="en-US"/>
           </a:p>
@@ -756,7 +756,7 @@
           <a:p>
             <a:fld id="{32F7251A-AE54-443C-B8FE-5F636E835EBF}" type="datetimeFigureOut">
               <a:rPr lang="en-US" smtClean="0"/>
-              <a:t>7/15/2018</a:t>
+              <a:t>8/2/2020</a:t>
             </a:fld>
             <a:endParaRPr lang="en-US"/>
           </a:p>
@@ -1001,7 +1001,7 @@
           <a:p>
             <a:fld id="{32F7251A-AE54-443C-B8FE-5F636E835EBF}" type="datetimeFigureOut">
               <a:rPr lang="en-US" smtClean="0"/>
-              <a:t>7/15/2018</a:t>
+              <a:t>8/2/2020</a:t>
             </a:fld>
             <a:endParaRPr lang="en-US"/>
           </a:p>
@@ -1230,7 +1230,7 @@
           <a:p>
             <a:fld id="{32F7251A-AE54-443C-B8FE-5F636E835EBF}" type="datetimeFigureOut">
               <a:rPr lang="en-US" smtClean="0"/>
-              <a:t>7/15/2018</a:t>
+              <a:t>8/2/2020</a:t>
             </a:fld>
             <a:endParaRPr lang="en-US"/>
           </a:p>
@@ -1594,7 +1594,7 @@
           <a:p>
             <a:fld id="{32F7251A-AE54-443C-B8FE-5F636E835EBF}" type="datetimeFigureOut">
               <a:rPr lang="en-US" smtClean="0"/>
-              <a:t>7/15/2018</a:t>
+              <a:t>8/2/2020</a:t>
             </a:fld>
             <a:endParaRPr lang="en-US"/>
           </a:p>
@@ -1711,7 +1711,7 @@
           <a:p>
             <a:fld id="{32F7251A-AE54-443C-B8FE-5F636E835EBF}" type="datetimeFigureOut">
               <a:rPr lang="en-US" smtClean="0"/>
-              <a:t>7/15/2018</a:t>
+              <a:t>8/2/2020</a:t>
             </a:fld>
             <a:endParaRPr lang="en-US"/>
           </a:p>
@@ -1806,7 +1806,7 @@
           <a:p>
             <a:fld id="{32F7251A-AE54-443C-B8FE-5F636E835EBF}" type="datetimeFigureOut">
               <a:rPr lang="en-US" smtClean="0"/>
-              <a:t>7/15/2018</a:t>
+              <a:t>8/2/2020</a:t>
             </a:fld>
             <a:endParaRPr lang="en-US"/>
           </a:p>
@@ -2081,7 +2081,7 @@
           <a:p>
             <a:fld id="{32F7251A-AE54-443C-B8FE-5F636E835EBF}" type="datetimeFigureOut">
               <a:rPr lang="en-US" smtClean="0"/>
-              <a:t>7/15/2018</a:t>
+              <a:t>8/2/2020</a:t>
             </a:fld>
             <a:endParaRPr lang="en-US"/>
           </a:p>
@@ -2333,7 +2333,7 @@
           <a:p>
             <a:fld id="{32F7251A-AE54-443C-B8FE-5F636E835EBF}" type="datetimeFigureOut">
               <a:rPr lang="en-US" smtClean="0"/>
-              <a:t>7/15/2018</a:t>
+              <a:t>8/2/2020</a:t>
             </a:fld>
             <a:endParaRPr lang="en-US"/>
           </a:p>
@@ -2400,7 +2400,9 @@
     <p:bg>
       <p:bgPr>
         <a:solidFill>
-          <a:srgbClr val="333333"/>
+          <a:schemeClr val="bg1">
+            <a:lumMod val="10000"/>
+          </a:schemeClr>
         </a:solidFill>
         <a:effectLst/>
       </p:bgPr>
@@ -2547,7 +2549,7 @@
           <a:p>
             <a:fld id="{32F7251A-AE54-443C-B8FE-5F636E835EBF}" type="datetimeFigureOut">
               <a:rPr lang="en-US" smtClean="0"/>
-              <a:t>7/15/2018</a:t>
+              <a:t>8/2/2020</a:t>
             </a:fld>
             <a:endParaRPr lang="en-US"/>
           </a:p>
@@ -3017,8 +3019,8 @@
         </p:nvSpPr>
         <p:spPr>
           <a:xfrm>
-            <a:off x="0" y="5804209"/>
-            <a:ext cx="12192000" cy="830997"/>
+            <a:off x="0" y="5927320"/>
+            <a:ext cx="12192000" cy="584775"/>
           </a:xfrm>
           <a:prstGeom prst="rect">
             <a:avLst/>
@@ -3033,10 +3035,12 @@
           <a:p>
             <a:pPr algn="ctr"/>
             <a:r>
-              <a:rPr lang="en-US" sz="4800" dirty="0">
+              <a:rPr lang="en-US" sz="3200" u="sng" dirty="0">
                 <a:solidFill>
                   <a:schemeClr val="bg1"/>
                 </a:solidFill>
+                <a:latin typeface="Assistant SemiBold" panose="00000700000000000000" pitchFamily="2" charset="-79"/>
+                <a:cs typeface="Assistant SemiBold" panose="00000700000000000000" pitchFamily="2" charset="-79"/>
               </a:rPr>
               <a:t>“Lord, Dismiss Us With Thy Blessing”</a:t>
             </a:r>
@@ -3051,8 +3055,8 @@
         </p:nvSpPr>
         <p:spPr>
           <a:xfrm>
-            <a:off x="0" y="692885"/>
-            <a:ext cx="12192000" cy="3970318"/>
+            <a:off x="0" y="1159050"/>
+            <a:ext cx="12192000" cy="3108543"/>
           </a:xfrm>
           <a:prstGeom prst="rect">
             <a:avLst/>
@@ -3067,10 +3071,12 @@
           <a:p>
             <a:pPr algn="ctr"/>
             <a:r>
-              <a:rPr lang="en-US" sz="3600" dirty="0">
+              <a:rPr lang="en-US" sz="2800" spc="50" dirty="0">
                 <a:solidFill>
                   <a:schemeClr val="bg1"/>
                 </a:solidFill>
+                <a:latin typeface="Assistant" panose="00000500000000000000" pitchFamily="2" charset="-79"/>
+                <a:cs typeface="Assistant" panose="00000500000000000000" pitchFamily="2" charset="-79"/>
               </a:rPr>
               <a:t>Lord, dismiss us with Thy blessing;</a:t>
             </a:r>
@@ -3078,10 +3084,12 @@
           <a:p>
             <a:pPr algn="ctr"/>
             <a:r>
-              <a:rPr lang="en-US" sz="3600" dirty="0">
+              <a:rPr lang="en-US" sz="2800" spc="50" dirty="0">
                 <a:solidFill>
                   <a:schemeClr val="bg1"/>
                 </a:solidFill>
+                <a:latin typeface="Assistant" panose="00000500000000000000" pitchFamily="2" charset="-79"/>
+                <a:cs typeface="Assistant" panose="00000500000000000000" pitchFamily="2" charset="-79"/>
               </a:rPr>
               <a:t>Fill our hearts with joy and peace;</a:t>
             </a:r>
@@ -3089,10 +3097,12 @@
           <a:p>
             <a:pPr algn="ctr"/>
             <a:r>
-              <a:rPr lang="en-US" sz="3600" dirty="0">
+              <a:rPr lang="en-US" sz="2800" spc="50" dirty="0">
                 <a:solidFill>
                   <a:schemeClr val="bg1"/>
                 </a:solidFill>
+                <a:latin typeface="Assistant" panose="00000500000000000000" pitchFamily="2" charset="-79"/>
+                <a:cs typeface="Assistant" panose="00000500000000000000" pitchFamily="2" charset="-79"/>
               </a:rPr>
               <a:t>Let us each, Thy love possessing,</a:t>
             </a:r>
@@ -3100,29 +3110,35 @@
           <a:p>
             <a:pPr algn="ctr"/>
             <a:r>
-              <a:rPr lang="en-US" sz="3600" dirty="0">
+              <a:rPr lang="en-US" sz="2800" spc="50" dirty="0">
                 <a:solidFill>
                   <a:schemeClr val="bg1"/>
                 </a:solidFill>
+                <a:latin typeface="Assistant" panose="00000500000000000000" pitchFamily="2" charset="-79"/>
+                <a:cs typeface="Assistant" panose="00000500000000000000" pitchFamily="2" charset="-79"/>
               </a:rPr>
               <a:t>Triumph in redeeming grace.</a:t>
             </a:r>
           </a:p>
           <a:p>
             <a:pPr algn="ctr"/>
-            <a:endParaRPr lang="en-US" sz="3600" dirty="0">
+            <a:endParaRPr lang="en-US" sz="2800" spc="50" dirty="0">
               <a:solidFill>
                 <a:schemeClr val="bg1"/>
               </a:solidFill>
+              <a:latin typeface="Assistant" panose="00000500000000000000" pitchFamily="2" charset="-79"/>
+              <a:cs typeface="Assistant" panose="00000500000000000000" pitchFamily="2" charset="-79"/>
             </a:endParaRPr>
           </a:p>
           <a:p>
             <a:pPr algn="ctr"/>
             <a:r>
-              <a:rPr lang="en-US" sz="3600" dirty="0">
+              <a:rPr lang="en-US" sz="2800" spc="50" dirty="0">
                 <a:solidFill>
                   <a:schemeClr val="bg1"/>
                 </a:solidFill>
+                <a:latin typeface="Assistant" panose="00000500000000000000" pitchFamily="2" charset="-79"/>
+                <a:cs typeface="Assistant" panose="00000500000000000000" pitchFamily="2" charset="-79"/>
               </a:rPr>
               <a:t>O refresh us, O refresh us,</a:t>
             </a:r>
@@ -3130,10 +3146,12 @@
           <a:p>
             <a:pPr algn="ctr"/>
             <a:r>
-              <a:rPr lang="en-US" sz="3600" dirty="0">
+              <a:rPr lang="en-US" sz="2800" spc="50" dirty="0">
                 <a:solidFill>
                   <a:schemeClr val="bg1"/>
                 </a:solidFill>
+                <a:latin typeface="Assistant" panose="00000500000000000000" pitchFamily="2" charset="-79"/>
+                <a:cs typeface="Assistant" panose="00000500000000000000" pitchFamily="2" charset="-79"/>
               </a:rPr>
               <a:t>Traveling through this wilderness.</a:t>
             </a:r>
@@ -3235,8 +3253,8 @@
         </p:nvSpPr>
         <p:spPr>
           <a:xfrm>
-            <a:off x="0" y="5804209"/>
-            <a:ext cx="12192000" cy="830997"/>
+            <a:off x="0" y="5927320"/>
+            <a:ext cx="12192000" cy="584775"/>
           </a:xfrm>
           <a:prstGeom prst="rect">
             <a:avLst/>
@@ -3251,10 +3269,12 @@
           <a:p>
             <a:pPr algn="ctr"/>
             <a:r>
-              <a:rPr lang="en-US" sz="4800" dirty="0">
+              <a:rPr lang="en-US" sz="3200" u="sng" dirty="0">
                 <a:solidFill>
                   <a:schemeClr val="bg1"/>
                 </a:solidFill>
+                <a:latin typeface="Assistant SemiBold" panose="00000700000000000000" pitchFamily="2" charset="-79"/>
+                <a:cs typeface="Assistant SemiBold" panose="00000700000000000000" pitchFamily="2" charset="-79"/>
               </a:rPr>
               <a:t>“Lord, Dismiss Us With Thy Blessing”</a:t>
             </a:r>
@@ -3269,8 +3289,8 @@
         </p:nvSpPr>
         <p:spPr>
           <a:xfrm>
-            <a:off x="0" y="692885"/>
-            <a:ext cx="12192000" cy="4524315"/>
+            <a:off x="0" y="1105262"/>
+            <a:ext cx="12192000" cy="3539430"/>
           </a:xfrm>
           <a:prstGeom prst="rect">
             <a:avLst/>
@@ -3285,10 +3305,12 @@
           <a:p>
             <a:pPr algn="ctr"/>
             <a:r>
-              <a:rPr lang="en-US" sz="3600" dirty="0">
+              <a:rPr lang="en-US" sz="2800" spc="50" dirty="0">
                 <a:solidFill>
                   <a:schemeClr val="bg1"/>
                 </a:solidFill>
+                <a:latin typeface="Assistant" panose="00000500000000000000" pitchFamily="2" charset="-79"/>
+                <a:cs typeface="Assistant" panose="00000500000000000000" pitchFamily="2" charset="-79"/>
               </a:rPr>
               <a:t>Thanks we give, and adoration,</a:t>
             </a:r>
@@ -3296,10 +3318,12 @@
           <a:p>
             <a:pPr algn="ctr"/>
             <a:r>
-              <a:rPr lang="en-US" sz="3600" dirty="0">
+              <a:rPr lang="en-US" sz="2800" spc="50" dirty="0">
                 <a:solidFill>
                   <a:schemeClr val="bg1"/>
                 </a:solidFill>
+                <a:latin typeface="Assistant" panose="00000500000000000000" pitchFamily="2" charset="-79"/>
+                <a:cs typeface="Assistant" panose="00000500000000000000" pitchFamily="2" charset="-79"/>
               </a:rPr>
               <a:t>For the gospel’s joyful sound;</a:t>
             </a:r>
@@ -3307,10 +3331,12 @@
           <a:p>
             <a:pPr algn="ctr"/>
             <a:r>
-              <a:rPr lang="en-US" sz="3600" dirty="0">
+              <a:rPr lang="en-US" sz="2800" spc="50" dirty="0">
                 <a:solidFill>
                   <a:schemeClr val="bg1"/>
                 </a:solidFill>
+                <a:latin typeface="Assistant" panose="00000500000000000000" pitchFamily="2" charset="-79"/>
+                <a:cs typeface="Assistant" panose="00000500000000000000" pitchFamily="2" charset="-79"/>
               </a:rPr>
               <a:t>May the fruits of Thy salvation</a:t>
             </a:r>
@@ -3318,29 +3344,35 @@
           <a:p>
             <a:pPr algn="ctr"/>
             <a:r>
-              <a:rPr lang="en-US" sz="3600" dirty="0">
+              <a:rPr lang="en-US" sz="2800" spc="50" dirty="0">
                 <a:solidFill>
                   <a:schemeClr val="bg1"/>
                 </a:solidFill>
+                <a:latin typeface="Assistant" panose="00000500000000000000" pitchFamily="2" charset="-79"/>
+                <a:cs typeface="Assistant" panose="00000500000000000000" pitchFamily="2" charset="-79"/>
               </a:rPr>
               <a:t>In our hearts and lives abound.</a:t>
             </a:r>
           </a:p>
           <a:p>
             <a:pPr algn="ctr"/>
-            <a:endParaRPr lang="en-US" sz="3600" dirty="0">
+            <a:endParaRPr lang="en-US" sz="2800" spc="50" dirty="0">
               <a:solidFill>
                 <a:schemeClr val="bg1"/>
               </a:solidFill>
+              <a:latin typeface="Assistant" panose="00000500000000000000" pitchFamily="2" charset="-79"/>
+              <a:cs typeface="Assistant" panose="00000500000000000000" pitchFamily="2" charset="-79"/>
             </a:endParaRPr>
           </a:p>
           <a:p>
             <a:pPr algn="ctr"/>
             <a:r>
-              <a:rPr lang="en-US" sz="3600" dirty="0">
+              <a:rPr lang="en-US" sz="2800" spc="50" dirty="0">
                 <a:solidFill>
                   <a:schemeClr val="bg1"/>
                 </a:solidFill>
+                <a:latin typeface="Assistant" panose="00000500000000000000" pitchFamily="2" charset="-79"/>
+                <a:cs typeface="Assistant" panose="00000500000000000000" pitchFamily="2" charset="-79"/>
               </a:rPr>
               <a:t>Ever faithful,</a:t>
             </a:r>
@@ -3348,26 +3380,25 @@
           <a:p>
             <a:pPr algn="ctr"/>
             <a:r>
-              <a:rPr lang="en-US" sz="3600">
+              <a:rPr lang="en-US" sz="2800" spc="50" dirty="0">
                 <a:solidFill>
                   <a:schemeClr val="bg1"/>
                 </a:solidFill>
+                <a:latin typeface="Assistant" panose="00000500000000000000" pitchFamily="2" charset="-79"/>
+                <a:cs typeface="Assistant" panose="00000500000000000000" pitchFamily="2" charset="-79"/>
               </a:rPr>
               <a:t>Ever faithful,</a:t>
             </a:r>
-            <a:endParaRPr lang="en-US" sz="3600" dirty="0">
-              <a:solidFill>
-                <a:schemeClr val="bg1"/>
-              </a:solidFill>
-            </a:endParaRPr>
           </a:p>
           <a:p>
             <a:pPr algn="ctr"/>
             <a:r>
-              <a:rPr lang="en-US" sz="3600" dirty="0">
+              <a:rPr lang="en-US" sz="2800" spc="50" dirty="0">
                 <a:solidFill>
                   <a:schemeClr val="bg1"/>
                 </a:solidFill>
+                <a:latin typeface="Assistant" panose="00000500000000000000" pitchFamily="2" charset="-79"/>
+                <a:cs typeface="Assistant" panose="00000500000000000000" pitchFamily="2" charset="-79"/>
               </a:rPr>
               <a:t>To the truth may we be found.</a:t>
             </a:r>
